--- a/SSE2/slides/1 Scanner.pptx
+++ b/SSE2/slides/1 Scanner.pptx
@@ -202,7 +202,7 @@
             <a:fld id="{D69E125A-D55E-45C6-9A62-FE6830745A2A}" type="datetimeFigureOut">
               <a:rPr lang="en-US" smtClean="0"/>
               <a:pPr/>
-              <a:t>1/19/2010</a:t>
+              <a:t>3/9/2010</a:t>
             </a:fld>
             <a:endParaRPr lang="en-US"/>
           </a:p>
@@ -2287,7 +2287,6 @@
               <a:rPr lang="en-US" baseline="0" dirty="0" smtClean="0"/>
               <a:t>A deck of cards is a list that contains objects of the type card.</a:t>
             </a:r>
-            <a:endParaRPr lang="en-US" baseline="0" dirty="0" smtClean="0"/>
           </a:p>
         </p:txBody>
       </p:sp>
@@ -2505,7 +2504,7 @@
             <a:fld id="{3E57D7DC-7299-43C9-BAE2-F335855B8707}" type="datetimeFigureOut">
               <a:rPr lang="en-US" smtClean="0"/>
               <a:pPr/>
-              <a:t>1/19/2010</a:t>
+              <a:t>3/9/2010</a:t>
             </a:fld>
             <a:endParaRPr lang="da-DK"/>
           </a:p>
@@ -2672,7 +2671,7 @@
             <a:fld id="{3E57D7DC-7299-43C9-BAE2-F335855B8707}" type="datetimeFigureOut">
               <a:rPr lang="en-US" smtClean="0"/>
               <a:pPr/>
-              <a:t>1/19/2010</a:t>
+              <a:t>3/9/2010</a:t>
             </a:fld>
             <a:endParaRPr lang="da-DK"/>
           </a:p>
@@ -2849,7 +2848,7 @@
             <a:fld id="{3E57D7DC-7299-43C9-BAE2-F335855B8707}" type="datetimeFigureOut">
               <a:rPr lang="en-US" smtClean="0"/>
               <a:pPr/>
-              <a:t>1/19/2010</a:t>
+              <a:t>3/9/2010</a:t>
             </a:fld>
             <a:endParaRPr lang="da-DK"/>
           </a:p>
@@ -3016,7 +3015,7 @@
             <a:fld id="{3E57D7DC-7299-43C9-BAE2-F335855B8707}" type="datetimeFigureOut">
               <a:rPr lang="en-US" smtClean="0"/>
               <a:pPr/>
-              <a:t>1/19/2010</a:t>
+              <a:t>3/9/2010</a:t>
             </a:fld>
             <a:endParaRPr lang="da-DK"/>
           </a:p>
@@ -3259,7 +3258,7 @@
             <a:fld id="{3E57D7DC-7299-43C9-BAE2-F335855B8707}" type="datetimeFigureOut">
               <a:rPr lang="en-US" smtClean="0"/>
               <a:pPr/>
-              <a:t>1/19/2010</a:t>
+              <a:t>3/9/2010</a:t>
             </a:fld>
             <a:endParaRPr lang="da-DK"/>
           </a:p>
@@ -3544,7 +3543,7 @@
             <a:fld id="{3E57D7DC-7299-43C9-BAE2-F335855B8707}" type="datetimeFigureOut">
               <a:rPr lang="en-US" smtClean="0"/>
               <a:pPr/>
-              <a:t>1/19/2010</a:t>
+              <a:t>3/9/2010</a:t>
             </a:fld>
             <a:endParaRPr lang="da-DK"/>
           </a:p>
@@ -3963,7 +3962,7 @@
             <a:fld id="{3E57D7DC-7299-43C9-BAE2-F335855B8707}" type="datetimeFigureOut">
               <a:rPr lang="en-US" smtClean="0"/>
               <a:pPr/>
-              <a:t>1/19/2010</a:t>
+              <a:t>3/9/2010</a:t>
             </a:fld>
             <a:endParaRPr lang="da-DK"/>
           </a:p>
@@ -4078,7 +4077,7 @@
             <a:fld id="{3E57D7DC-7299-43C9-BAE2-F335855B8707}" type="datetimeFigureOut">
               <a:rPr lang="en-US" smtClean="0"/>
               <a:pPr/>
-              <a:t>1/19/2010</a:t>
+              <a:t>3/9/2010</a:t>
             </a:fld>
             <a:endParaRPr lang="da-DK"/>
           </a:p>
@@ -4170,7 +4169,7 @@
             <a:fld id="{3E57D7DC-7299-43C9-BAE2-F335855B8707}" type="datetimeFigureOut">
               <a:rPr lang="en-US" smtClean="0"/>
               <a:pPr/>
-              <a:t>1/19/2010</a:t>
+              <a:t>3/9/2010</a:t>
             </a:fld>
             <a:endParaRPr lang="da-DK"/>
           </a:p>
@@ -4444,7 +4443,7 @@
             <a:fld id="{3E57D7DC-7299-43C9-BAE2-F335855B8707}" type="datetimeFigureOut">
               <a:rPr lang="en-US" smtClean="0"/>
               <a:pPr/>
-              <a:t>1/19/2010</a:t>
+              <a:t>3/9/2010</a:t>
             </a:fld>
             <a:endParaRPr lang="da-DK"/>
           </a:p>
@@ -4694,7 +4693,7 @@
             <a:fld id="{3E57D7DC-7299-43C9-BAE2-F335855B8707}" type="datetimeFigureOut">
               <a:rPr lang="en-US" smtClean="0"/>
               <a:pPr/>
-              <a:t>1/19/2010</a:t>
+              <a:t>3/9/2010</a:t>
             </a:fld>
             <a:endParaRPr lang="da-DK"/>
           </a:p>
@@ -4904,7 +4903,7 @@
             <a:fld id="{3E57D7DC-7299-43C9-BAE2-F335855B8707}" type="datetimeFigureOut">
               <a:rPr lang="en-US" smtClean="0"/>
               <a:pPr/>
-              <a:t>1/19/2010</a:t>
+              <a:t>3/9/2010</a:t>
             </a:fld>
             <a:endParaRPr lang="da-DK"/>
           </a:p>
@@ -5293,12 +5292,8 @@
           <a:lstStyle/>
           <a:p>
             <a:r>
-              <a:rPr lang="en-US" b="1" dirty="0"/>
-              <a:t>#01 Class, Abstract Class and </a:t>
-            </a:r>
-            <a:r>
               <a:rPr lang="en-US" b="1" dirty="0" smtClean="0"/>
-              <a:t>Interfaces</a:t>
+              <a:t>1 Scanner</a:t>
             </a:r>
             <a:endParaRPr lang="da-DK" dirty="0"/>
           </a:p>
